--- a/Images/icons.pptx
+++ b/Images/icons.pptx
@@ -198,7 +198,7 @@
             <a:fld id="{EF2816C5-0349-4A2D-B307-BA35C9E33751}" type="datetimeFigureOut">
               <a:rPr lang="en-US" smtClean="0"/>
               <a:pPr/>
-              <a:t>10/11/2011</a:t>
+              <a:t>11/30/2011</a:t>
             </a:fld>
             <a:endParaRPr lang="en-US"/>
           </a:p>
@@ -1138,7 +1138,7 @@
             <a:fld id="{51AAF73F-098B-4C3D-8C64-6AF52AB2374C}" type="datetimeFigureOut">
               <a:rPr lang="en-US" smtClean="0"/>
               <a:pPr/>
-              <a:t>10/11/2011</a:t>
+              <a:t>11/30/2011</a:t>
             </a:fld>
             <a:endParaRPr lang="en-US"/>
           </a:p>
@@ -1305,7 +1305,7 @@
             <a:fld id="{51AAF73F-098B-4C3D-8C64-6AF52AB2374C}" type="datetimeFigureOut">
               <a:rPr lang="en-US" smtClean="0"/>
               <a:pPr/>
-              <a:t>10/11/2011</a:t>
+              <a:t>11/30/2011</a:t>
             </a:fld>
             <a:endParaRPr lang="en-US"/>
           </a:p>
@@ -1482,7 +1482,7 @@
             <a:fld id="{51AAF73F-098B-4C3D-8C64-6AF52AB2374C}" type="datetimeFigureOut">
               <a:rPr lang="en-US" smtClean="0"/>
               <a:pPr/>
-              <a:t>10/11/2011</a:t>
+              <a:t>11/30/2011</a:t>
             </a:fld>
             <a:endParaRPr lang="en-US"/>
           </a:p>
@@ -1649,7 +1649,7 @@
             <a:fld id="{51AAF73F-098B-4C3D-8C64-6AF52AB2374C}" type="datetimeFigureOut">
               <a:rPr lang="en-US" smtClean="0"/>
               <a:pPr/>
-              <a:t>10/11/2011</a:t>
+              <a:t>11/30/2011</a:t>
             </a:fld>
             <a:endParaRPr lang="en-US"/>
           </a:p>
@@ -1892,7 +1892,7 @@
             <a:fld id="{51AAF73F-098B-4C3D-8C64-6AF52AB2374C}" type="datetimeFigureOut">
               <a:rPr lang="en-US" smtClean="0"/>
               <a:pPr/>
-              <a:t>10/11/2011</a:t>
+              <a:t>11/30/2011</a:t>
             </a:fld>
             <a:endParaRPr lang="en-US"/>
           </a:p>
@@ -2177,7 +2177,7 @@
             <a:fld id="{51AAF73F-098B-4C3D-8C64-6AF52AB2374C}" type="datetimeFigureOut">
               <a:rPr lang="en-US" smtClean="0"/>
               <a:pPr/>
-              <a:t>10/11/2011</a:t>
+              <a:t>11/30/2011</a:t>
             </a:fld>
             <a:endParaRPr lang="en-US"/>
           </a:p>
@@ -2596,7 +2596,7 @@
             <a:fld id="{51AAF73F-098B-4C3D-8C64-6AF52AB2374C}" type="datetimeFigureOut">
               <a:rPr lang="en-US" smtClean="0"/>
               <a:pPr/>
-              <a:t>10/11/2011</a:t>
+              <a:t>11/30/2011</a:t>
             </a:fld>
             <a:endParaRPr lang="en-US"/>
           </a:p>
@@ -2711,7 +2711,7 @@
             <a:fld id="{51AAF73F-098B-4C3D-8C64-6AF52AB2374C}" type="datetimeFigureOut">
               <a:rPr lang="en-US" smtClean="0"/>
               <a:pPr/>
-              <a:t>10/11/2011</a:t>
+              <a:t>11/30/2011</a:t>
             </a:fld>
             <a:endParaRPr lang="en-US"/>
           </a:p>
@@ -2803,7 +2803,7 @@
             <a:fld id="{51AAF73F-098B-4C3D-8C64-6AF52AB2374C}" type="datetimeFigureOut">
               <a:rPr lang="en-US" smtClean="0"/>
               <a:pPr/>
-              <a:t>10/11/2011</a:t>
+              <a:t>11/30/2011</a:t>
             </a:fld>
             <a:endParaRPr lang="en-US"/>
           </a:p>
@@ -3077,7 +3077,7 @@
             <a:fld id="{51AAF73F-098B-4C3D-8C64-6AF52AB2374C}" type="datetimeFigureOut">
               <a:rPr lang="en-US" smtClean="0"/>
               <a:pPr/>
-              <a:t>10/11/2011</a:t>
+              <a:t>11/30/2011</a:t>
             </a:fld>
             <a:endParaRPr lang="en-US"/>
           </a:p>
@@ -3327,7 +3327,7 @@
             <a:fld id="{51AAF73F-098B-4C3D-8C64-6AF52AB2374C}" type="datetimeFigureOut">
               <a:rPr lang="en-US" smtClean="0"/>
               <a:pPr/>
-              <a:t>10/11/2011</a:t>
+              <a:t>11/30/2011</a:t>
             </a:fld>
             <a:endParaRPr lang="en-US"/>
           </a:p>
@@ -3537,7 +3537,7 @@
             <a:fld id="{51AAF73F-098B-4C3D-8C64-6AF52AB2374C}" type="datetimeFigureOut">
               <a:rPr lang="en-US" smtClean="0"/>
               <a:pPr/>
-              <a:t>10/11/2011</a:t>
+              <a:t>11/30/2011</a:t>
             </a:fld>
             <a:endParaRPr lang="en-US"/>
           </a:p>
@@ -3910,25 +3910,6 @@
       </p:grpSpPr>
       <p:sp>
         <p:nvSpPr>
-          <p:cNvPr id="3" name="Subtitle 2"/>
-          <p:cNvSpPr>
-            <a:spLocks noGrp="1"/>
-          </p:cNvSpPr>
-          <p:nvPr>
-            <p:ph type="subTitle" idx="1"/>
-          </p:nvPr>
-        </p:nvSpPr>
-        <p:spPr/>
-        <p:txBody>
-          <a:bodyPr/>
-          <a:lstStyle/>
-          <a:p>
-            <a:endParaRPr lang="en-US"/>
-          </a:p>
-        </p:txBody>
-      </p:sp>
-      <p:sp>
-        <p:nvSpPr>
           <p:cNvPr id="4" name="Rectangle 3"/>
           <p:cNvSpPr/>
           <p:nvPr/>
@@ -4249,6 +4230,208 @@
           <a:p>
             <a:pPr algn="ctr"/>
             <a:endParaRPr lang="en-US"/>
+          </a:p>
+        </p:txBody>
+      </p:sp>
+      <p:sp>
+        <p:nvSpPr>
+          <p:cNvPr id="12" name="Rectangle 11"/>
+          <p:cNvSpPr/>
+          <p:nvPr/>
+        </p:nvSpPr>
+        <p:spPr>
+          <a:xfrm>
+            <a:off x="5410200" y="2209800"/>
+            <a:ext cx="1828800" cy="1828800"/>
+          </a:xfrm>
+          <a:prstGeom prst="rect">
+            <a:avLst/>
+          </a:prstGeom>
+        </p:spPr>
+        <p:style>
+          <a:lnRef idx="2">
+            <a:schemeClr val="accent1"/>
+          </a:lnRef>
+          <a:fillRef idx="1">
+            <a:schemeClr val="lt1"/>
+          </a:fillRef>
+          <a:effectRef idx="0">
+            <a:schemeClr val="accent1"/>
+          </a:effectRef>
+          <a:fontRef idx="minor">
+            <a:schemeClr val="dk1"/>
+          </a:fontRef>
+        </p:style>
+        <p:txBody>
+          <a:bodyPr rtlCol="0" anchor="ctr"/>
+          <a:lstStyle/>
+          <a:p>
+            <a:pPr algn="ctr"/>
+            <a:endParaRPr lang="en-US"/>
+          </a:p>
+        </p:txBody>
+      </p:sp>
+      <p:sp>
+        <p:nvSpPr>
+          <p:cNvPr id="18" name="Rectangle 17"/>
+          <p:cNvSpPr/>
+          <p:nvPr/>
+        </p:nvSpPr>
+        <p:spPr>
+          <a:xfrm>
+            <a:off x="6248400" y="3429000"/>
+            <a:ext cx="914400" cy="830997"/>
+          </a:xfrm>
+          <a:prstGeom prst="rect">
+            <a:avLst/>
+          </a:prstGeom>
+          <a:noFill/>
+          <a:effectLst>
+            <a:outerShdw blurRad="76200" dist="12700" dir="2700000" sy="-23000" kx="-800400" algn="bl" rotWithShape="0">
+              <a:prstClr val="black">
+                <a:alpha val="20000"/>
+              </a:prstClr>
+            </a:outerShdw>
+          </a:effectLst>
+        </p:spPr>
+        <p:txBody>
+          <a:bodyPr wrap="square" lIns="91440" tIns="0" rIns="91440" bIns="0" anchor="b" anchorCtr="0">
+            <a:noAutofit/>
+          </a:bodyPr>
+          <a:lstStyle/>
+          <a:p>
+            <a:pPr algn="ctr"/>
+            <a:r>
+              <a:rPr lang="en-US" sz="12500" b="1" dirty="0" smtClean="0">
+                <a:ln w="12700">
+                  <a:solidFill>
+                    <a:schemeClr val="tx2">
+                      <a:satMod val="155000"/>
+                    </a:schemeClr>
+                  </a:solidFill>
+                  <a:prstDash val="solid"/>
+                </a:ln>
+                <a:solidFill>
+                  <a:schemeClr val="tx2">
+                    <a:lumMod val="40000"/>
+                    <a:lumOff val="60000"/>
+                  </a:schemeClr>
+                </a:solidFill>
+                <a:effectLst>
+                  <a:outerShdw blurRad="50800" dist="38100" dir="2700000" algn="tl" rotWithShape="0">
+                    <a:prstClr val="black">
+                      <a:alpha val="40000"/>
+                    </a:prstClr>
+                  </a:outerShdw>
+                </a:effectLst>
+              </a:rPr>
+              <a:t>L</a:t>
+            </a:r>
+            <a:endParaRPr lang="en-US" sz="12500" b="1" cap="none" spc="0" dirty="0" smtClean="0">
+              <a:ln w="12700">
+                <a:solidFill>
+                  <a:schemeClr val="tx2">
+                    <a:satMod val="155000"/>
+                  </a:schemeClr>
+                </a:solidFill>
+                <a:prstDash val="solid"/>
+              </a:ln>
+              <a:solidFill>
+                <a:schemeClr val="tx2">
+                  <a:lumMod val="40000"/>
+                  <a:lumOff val="60000"/>
+                </a:schemeClr>
+              </a:solidFill>
+              <a:effectLst>
+                <a:outerShdw blurRad="50800" dist="38100" dir="2700000" algn="tl" rotWithShape="0">
+                  <a:prstClr val="black">
+                    <a:alpha val="40000"/>
+                  </a:prstClr>
+                </a:outerShdw>
+              </a:effectLst>
+            </a:endParaRPr>
+          </a:p>
+        </p:txBody>
+      </p:sp>
+      <p:sp>
+        <p:nvSpPr>
+          <p:cNvPr id="19" name="Rectangle 18"/>
+          <p:cNvSpPr/>
+          <p:nvPr/>
+        </p:nvSpPr>
+        <p:spPr>
+          <a:xfrm>
+            <a:off x="5486400" y="2971800"/>
+            <a:ext cx="914400" cy="830997"/>
+          </a:xfrm>
+          <a:prstGeom prst="rect">
+            <a:avLst/>
+          </a:prstGeom>
+          <a:noFill/>
+          <a:effectLst>
+            <a:outerShdw blurRad="76200" dist="12700" dir="2700000" sy="-23000" kx="-800400" algn="bl" rotWithShape="0">
+              <a:prstClr val="black">
+                <a:alpha val="20000"/>
+              </a:prstClr>
+            </a:outerShdw>
+          </a:effectLst>
+        </p:spPr>
+        <p:txBody>
+          <a:bodyPr wrap="square" lIns="91440" tIns="0" rIns="91440" bIns="0" anchor="b" anchorCtr="0">
+            <a:noAutofit/>
+          </a:bodyPr>
+          <a:lstStyle/>
+          <a:p>
+            <a:pPr algn="ctr"/>
+            <a:r>
+              <a:rPr lang="en-US" sz="12500" b="1" dirty="0" smtClean="0">
+                <a:ln w="12700">
+                  <a:solidFill>
+                    <a:schemeClr val="tx2">
+                      <a:satMod val="155000"/>
+                    </a:schemeClr>
+                  </a:solidFill>
+                  <a:prstDash val="solid"/>
+                </a:ln>
+                <a:solidFill>
+                  <a:schemeClr val="tx2">
+                    <a:lumMod val="40000"/>
+                    <a:lumOff val="60000"/>
+                  </a:schemeClr>
+                </a:solidFill>
+                <a:effectLst>
+                  <a:outerShdw blurRad="50800" dist="38100" dir="2700000" algn="tl" rotWithShape="0">
+                    <a:prstClr val="black">
+                      <a:alpha val="40000"/>
+                    </a:prstClr>
+                  </a:outerShdw>
+                </a:effectLst>
+              </a:rPr>
+              <a:t>T</a:t>
+            </a:r>
+            <a:endParaRPr lang="en-US" sz="12500" b="1" cap="none" spc="0" dirty="0" smtClean="0">
+              <a:ln w="12700">
+                <a:solidFill>
+                  <a:schemeClr val="tx2">
+                    <a:satMod val="155000"/>
+                  </a:schemeClr>
+                </a:solidFill>
+                <a:prstDash val="solid"/>
+              </a:ln>
+              <a:solidFill>
+                <a:schemeClr val="tx2">
+                  <a:lumMod val="40000"/>
+                  <a:lumOff val="60000"/>
+                </a:schemeClr>
+              </a:solidFill>
+              <a:effectLst>
+                <a:outerShdw blurRad="50800" dist="38100" dir="2700000" algn="tl" rotWithShape="0">
+                  <a:prstClr val="black">
+                    <a:alpha val="40000"/>
+                  </a:prstClr>
+                </a:outerShdw>
+              </a:effectLst>
+            </a:endParaRPr>
           </a:p>
         </p:txBody>
       </p:sp>

--- a/Images/icons.pptx
+++ b/Images/icons.pptx
@@ -198,7 +198,7 @@
             <a:fld id="{EF2816C5-0349-4A2D-B307-BA35C9E33751}" type="datetimeFigureOut">
               <a:rPr lang="en-US" smtClean="0"/>
               <a:pPr/>
-              <a:t>11/30/2011</a:t>
+              <a:t>12/1/2011</a:t>
             </a:fld>
             <a:endParaRPr lang="en-US"/>
           </a:p>
@@ -1138,7 +1138,7 @@
             <a:fld id="{51AAF73F-098B-4C3D-8C64-6AF52AB2374C}" type="datetimeFigureOut">
               <a:rPr lang="en-US" smtClean="0"/>
               <a:pPr/>
-              <a:t>11/30/2011</a:t>
+              <a:t>12/1/2011</a:t>
             </a:fld>
             <a:endParaRPr lang="en-US"/>
           </a:p>
@@ -1305,7 +1305,7 @@
             <a:fld id="{51AAF73F-098B-4C3D-8C64-6AF52AB2374C}" type="datetimeFigureOut">
               <a:rPr lang="en-US" smtClean="0"/>
               <a:pPr/>
-              <a:t>11/30/2011</a:t>
+              <a:t>12/1/2011</a:t>
             </a:fld>
             <a:endParaRPr lang="en-US"/>
           </a:p>
@@ -1482,7 +1482,7 @@
             <a:fld id="{51AAF73F-098B-4C3D-8C64-6AF52AB2374C}" type="datetimeFigureOut">
               <a:rPr lang="en-US" smtClean="0"/>
               <a:pPr/>
-              <a:t>11/30/2011</a:t>
+              <a:t>12/1/2011</a:t>
             </a:fld>
             <a:endParaRPr lang="en-US"/>
           </a:p>
@@ -1649,7 +1649,7 @@
             <a:fld id="{51AAF73F-098B-4C3D-8C64-6AF52AB2374C}" type="datetimeFigureOut">
               <a:rPr lang="en-US" smtClean="0"/>
               <a:pPr/>
-              <a:t>11/30/2011</a:t>
+              <a:t>12/1/2011</a:t>
             </a:fld>
             <a:endParaRPr lang="en-US"/>
           </a:p>
@@ -1892,7 +1892,7 @@
             <a:fld id="{51AAF73F-098B-4C3D-8C64-6AF52AB2374C}" type="datetimeFigureOut">
               <a:rPr lang="en-US" smtClean="0"/>
               <a:pPr/>
-              <a:t>11/30/2011</a:t>
+              <a:t>12/1/2011</a:t>
             </a:fld>
             <a:endParaRPr lang="en-US"/>
           </a:p>
@@ -2177,7 +2177,7 @@
             <a:fld id="{51AAF73F-098B-4C3D-8C64-6AF52AB2374C}" type="datetimeFigureOut">
               <a:rPr lang="en-US" smtClean="0"/>
               <a:pPr/>
-              <a:t>11/30/2011</a:t>
+              <a:t>12/1/2011</a:t>
             </a:fld>
             <a:endParaRPr lang="en-US"/>
           </a:p>
@@ -2596,7 +2596,7 @@
             <a:fld id="{51AAF73F-098B-4C3D-8C64-6AF52AB2374C}" type="datetimeFigureOut">
               <a:rPr lang="en-US" smtClean="0"/>
               <a:pPr/>
-              <a:t>11/30/2011</a:t>
+              <a:t>12/1/2011</a:t>
             </a:fld>
             <a:endParaRPr lang="en-US"/>
           </a:p>
@@ -2711,7 +2711,7 @@
             <a:fld id="{51AAF73F-098B-4C3D-8C64-6AF52AB2374C}" type="datetimeFigureOut">
               <a:rPr lang="en-US" smtClean="0"/>
               <a:pPr/>
-              <a:t>11/30/2011</a:t>
+              <a:t>12/1/2011</a:t>
             </a:fld>
             <a:endParaRPr lang="en-US"/>
           </a:p>
@@ -2803,7 +2803,7 @@
             <a:fld id="{51AAF73F-098B-4C3D-8C64-6AF52AB2374C}" type="datetimeFigureOut">
               <a:rPr lang="en-US" smtClean="0"/>
               <a:pPr/>
-              <a:t>11/30/2011</a:t>
+              <a:t>12/1/2011</a:t>
             </a:fld>
             <a:endParaRPr lang="en-US"/>
           </a:p>
@@ -3077,7 +3077,7 @@
             <a:fld id="{51AAF73F-098B-4C3D-8C64-6AF52AB2374C}" type="datetimeFigureOut">
               <a:rPr lang="en-US" smtClean="0"/>
               <a:pPr/>
-              <a:t>11/30/2011</a:t>
+              <a:t>12/1/2011</a:t>
             </a:fld>
             <a:endParaRPr lang="en-US"/>
           </a:p>
@@ -3327,7 +3327,7 @@
             <a:fld id="{51AAF73F-098B-4C3D-8C64-6AF52AB2374C}" type="datetimeFigureOut">
               <a:rPr lang="en-US" smtClean="0"/>
               <a:pPr/>
-              <a:t>11/30/2011</a:t>
+              <a:t>12/1/2011</a:t>
             </a:fld>
             <a:endParaRPr lang="en-US"/>
           </a:p>
@@ -3537,7 +3537,7 @@
             <a:fld id="{51AAF73F-098B-4C3D-8C64-6AF52AB2374C}" type="datetimeFigureOut">
               <a:rPr lang="en-US" smtClean="0"/>
               <a:pPr/>
-              <a:t>11/30/2011</a:t>
+              <a:t>12/1/2011</a:t>
             </a:fld>
             <a:endParaRPr lang="en-US"/>
           </a:p>
@@ -4435,6 +4435,321 @@
           </a:p>
         </p:txBody>
       </p:sp>
+      <p:pic>
+        <p:nvPicPr>
+          <p:cNvPr id="1026" name="Picture 2" descr="C:\Users\talbertc\AppData\Local\Microsoft\Windows\Temporary Internet Files\Content.IE5\GF48N411\MC900431620[1].png"/>
+          <p:cNvPicPr>
+            <a:picLocks noChangeAspect="1" noChangeArrowheads="1"/>
+          </p:cNvPicPr>
+          <p:nvPr/>
+        </p:nvPicPr>
+        <p:blipFill>
+          <a:blip r:embed="rId3" cstate="print"/>
+          <a:srcRect/>
+          <a:stretch>
+            <a:fillRect/>
+          </a:stretch>
+        </p:blipFill>
+        <p:spPr bwMode="auto">
+          <a:xfrm>
+            <a:off x="1733550" y="3867150"/>
+            <a:ext cx="1714500" cy="1714500"/>
+          </a:xfrm>
+          <a:prstGeom prst="rect">
+            <a:avLst/>
+          </a:prstGeom>
+          <a:noFill/>
+        </p:spPr>
+      </p:pic>
+      <p:pic>
+        <p:nvPicPr>
+          <p:cNvPr id="1027" name="Picture 3" descr="C:\Users\talbertc\AppData\Local\Microsoft\Windows\Temporary Internet Files\Content.IE5\GF48N411\MC900431608[1].png"/>
+          <p:cNvPicPr>
+            <a:picLocks noChangeAspect="1" noChangeArrowheads="1"/>
+          </p:cNvPicPr>
+          <p:nvPr/>
+        </p:nvPicPr>
+        <p:blipFill>
+          <a:blip r:embed="rId4" cstate="print"/>
+          <a:srcRect/>
+          <a:stretch>
+            <a:fillRect/>
+          </a:stretch>
+        </p:blipFill>
+        <p:spPr bwMode="auto">
+          <a:xfrm>
+            <a:off x="2819400" y="381000"/>
+            <a:ext cx="1828572" cy="1828572"/>
+          </a:xfrm>
+          <a:prstGeom prst="rect">
+            <a:avLst/>
+          </a:prstGeom>
+          <a:noFill/>
+        </p:spPr>
+      </p:pic>
+      <p:pic>
+        <p:nvPicPr>
+          <p:cNvPr id="1028" name="Picture 4" descr="C:\Users\talbertc\AppData\Local\Microsoft\Windows\Temporary Internet Files\Content.IE5\ADOKEIGK\MC900431629[1].png"/>
+          <p:cNvPicPr>
+            <a:picLocks noChangeAspect="1" noChangeArrowheads="1"/>
+          </p:cNvPicPr>
+          <p:nvPr/>
+        </p:nvPicPr>
+        <p:blipFill>
+          <a:blip r:embed="rId5" cstate="print"/>
+          <a:srcRect/>
+          <a:stretch>
+            <a:fillRect/>
+          </a:stretch>
+        </p:blipFill>
+        <p:spPr bwMode="auto">
+          <a:xfrm>
+            <a:off x="4724400" y="514350"/>
+            <a:ext cx="1714500" cy="1714500"/>
+          </a:xfrm>
+          <a:prstGeom prst="rect">
+            <a:avLst/>
+          </a:prstGeom>
+          <a:noFill/>
+        </p:spPr>
+      </p:pic>
+      <p:grpSp>
+        <p:nvGrpSpPr>
+          <p:cNvPr id="23" name="Group 22"/>
+          <p:cNvGrpSpPr/>
+          <p:nvPr/>
+        </p:nvGrpSpPr>
+        <p:grpSpPr>
+          <a:xfrm>
+            <a:off x="4572000" y="4419600"/>
+            <a:ext cx="1771650" cy="1852613"/>
+            <a:chOff x="4572000" y="4419600"/>
+            <a:chExt cx="1771650" cy="1852613"/>
+          </a:xfrm>
+        </p:grpSpPr>
+        <p:pic>
+          <p:nvPicPr>
+            <p:cNvPr id="1029" name="Picture 5" descr="C:\Users\talbertc\AppData\Local\Microsoft\Windows\Temporary Internet Files\Content.IE5\HTVJ7J6F\MC900016659[1].wmf"/>
+            <p:cNvPicPr>
+              <a:picLocks noChangeAspect="1" noChangeArrowheads="1"/>
+            </p:cNvPicPr>
+            <p:nvPr/>
+          </p:nvPicPr>
+          <p:blipFill>
+            <a:blip r:embed="rId6" cstate="print"/>
+            <a:srcRect/>
+            <a:stretch>
+              <a:fillRect/>
+            </a:stretch>
+          </p:blipFill>
+          <p:spPr bwMode="auto">
+            <a:xfrm>
+              <a:off x="4572000" y="4495800"/>
+              <a:ext cx="1771650" cy="1776413"/>
+            </a:xfrm>
+            <a:prstGeom prst="rect">
+              <a:avLst/>
+            </a:prstGeom>
+            <a:noFill/>
+          </p:spPr>
+        </p:pic>
+        <p:sp>
+          <p:nvSpPr>
+            <p:cNvPr id="20" name="Rectangle 19"/>
+            <p:cNvSpPr/>
+            <p:nvPr/>
+          </p:nvSpPr>
+          <p:spPr>
+            <a:xfrm>
+              <a:off x="4804688" y="4419600"/>
+              <a:ext cx="605512" cy="1015663"/>
+            </a:xfrm>
+            <a:prstGeom prst="rect">
+              <a:avLst/>
+            </a:prstGeom>
+            <a:noFill/>
+            <a:effectLst/>
+            <a:scene3d>
+              <a:camera prst="perspectiveRight"/>
+              <a:lightRig rig="threePt" dir="t"/>
+            </a:scene3d>
+          </p:spPr>
+          <p:txBody>
+            <a:bodyPr wrap="square" lIns="91440" tIns="45720" rIns="91440" bIns="45720">
+              <a:spAutoFit/>
+            </a:bodyPr>
+            <a:lstStyle/>
+            <a:p>
+              <a:pPr algn="ctr"/>
+              <a:r>
+                <a:rPr lang="en-US" sz="6000" b="1" dirty="0" smtClean="0">
+                  <a:ln w="31550" cmpd="sng">
+                    <a:gradFill>
+                      <a:gsLst>
+                        <a:gs pos="25000">
+                          <a:schemeClr val="accent1">
+                            <a:shade val="25000"/>
+                            <a:satMod val="190000"/>
+                          </a:schemeClr>
+                        </a:gs>
+                        <a:gs pos="80000">
+                          <a:schemeClr val="accent1">
+                            <a:tint val="75000"/>
+                            <a:satMod val="190000"/>
+                          </a:schemeClr>
+                        </a:gs>
+                      </a:gsLst>
+                      <a:lin ang="5400000"/>
+                    </a:gradFill>
+                    <a:prstDash val="solid"/>
+                  </a:ln>
+                  <a:solidFill>
+                    <a:srgbClr val="FFFFFF"/>
+                  </a:solidFill>
+                  <a:effectLst>
+                    <a:outerShdw blurRad="41275" dist="12700" dir="12000000" algn="tl" rotWithShape="0">
+                      <a:srgbClr val="000000">
+                        <a:alpha val="40000"/>
+                      </a:srgbClr>
+                    </a:outerShdw>
+                  </a:effectLst>
+                </a:rPr>
+                <a:t>+</a:t>
+              </a:r>
+              <a:endParaRPr lang="en-US" sz="6000" b="1" dirty="0">
+                <a:ln w="31550" cmpd="sng">
+                  <a:gradFill>
+                    <a:gsLst>
+                      <a:gs pos="25000">
+                        <a:schemeClr val="accent1">
+                          <a:shade val="25000"/>
+                          <a:satMod val="190000"/>
+                        </a:schemeClr>
+                      </a:gs>
+                      <a:gs pos="80000">
+                        <a:schemeClr val="accent1">
+                          <a:tint val="75000"/>
+                          <a:satMod val="190000"/>
+                        </a:schemeClr>
+                      </a:gs>
+                    </a:gsLst>
+                    <a:lin ang="5400000"/>
+                  </a:gradFill>
+                  <a:prstDash val="solid"/>
+                </a:ln>
+                <a:solidFill>
+                  <a:srgbClr val="FFFFFF"/>
+                </a:solidFill>
+                <a:effectLst>
+                  <a:outerShdw blurRad="41275" dist="12700" dir="12000000" algn="tl" rotWithShape="0">
+                    <a:srgbClr val="000000">
+                      <a:alpha val="40000"/>
+                    </a:srgbClr>
+                  </a:outerShdw>
+                </a:effectLst>
+              </a:endParaRPr>
+            </a:p>
+          </p:txBody>
+        </p:sp>
+        <p:sp>
+          <p:nvSpPr>
+            <p:cNvPr id="22" name="Rectangle 21"/>
+            <p:cNvSpPr/>
+            <p:nvPr/>
+          </p:nvSpPr>
+          <p:spPr>
+            <a:xfrm>
+              <a:off x="5105400" y="4572000"/>
+              <a:ext cx="605512" cy="1200329"/>
+            </a:xfrm>
+            <a:prstGeom prst="rect">
+              <a:avLst/>
+            </a:prstGeom>
+            <a:noFill/>
+            <a:effectLst/>
+            <a:scene3d>
+              <a:camera prst="perspectiveRight"/>
+              <a:lightRig rig="threePt" dir="t"/>
+            </a:scene3d>
+          </p:spPr>
+          <p:txBody>
+            <a:bodyPr wrap="square" lIns="91440" tIns="45720" rIns="91440" bIns="45720">
+              <a:spAutoFit/>
+            </a:bodyPr>
+            <a:lstStyle/>
+            <a:p>
+              <a:pPr algn="ctr"/>
+              <a:r>
+                <a:rPr lang="en-US" sz="7200" b="1" dirty="0" smtClean="0">
+                  <a:ln w="31550" cmpd="sng">
+                    <a:gradFill>
+                      <a:gsLst>
+                        <a:gs pos="25000">
+                          <a:schemeClr val="accent1">
+                            <a:shade val="25000"/>
+                            <a:satMod val="190000"/>
+                          </a:schemeClr>
+                        </a:gs>
+                        <a:gs pos="80000">
+                          <a:schemeClr val="accent1">
+                            <a:tint val="75000"/>
+                            <a:satMod val="190000"/>
+                          </a:schemeClr>
+                        </a:gs>
+                      </a:gsLst>
+                      <a:lin ang="5400000"/>
+                    </a:gradFill>
+                    <a:prstDash val="solid"/>
+                  </a:ln>
+                  <a:solidFill>
+                    <a:srgbClr val="FFFFFF"/>
+                  </a:solidFill>
+                  <a:effectLst>
+                    <a:outerShdw blurRad="41275" dist="12700" dir="12000000" algn="tl" rotWithShape="0">
+                      <a:srgbClr val="000000">
+                        <a:alpha val="40000"/>
+                      </a:srgbClr>
+                    </a:outerShdw>
+                  </a:effectLst>
+                </a:rPr>
+                <a:t>-</a:t>
+              </a:r>
+              <a:endParaRPr lang="en-US" sz="7200" b="1" dirty="0">
+                <a:ln w="31550" cmpd="sng">
+                  <a:gradFill>
+                    <a:gsLst>
+                      <a:gs pos="25000">
+                        <a:schemeClr val="accent1">
+                          <a:shade val="25000"/>
+                          <a:satMod val="190000"/>
+                        </a:schemeClr>
+                      </a:gs>
+                      <a:gs pos="80000">
+                        <a:schemeClr val="accent1">
+                          <a:tint val="75000"/>
+                          <a:satMod val="190000"/>
+                        </a:schemeClr>
+                      </a:gs>
+                    </a:gsLst>
+                    <a:lin ang="5400000"/>
+                  </a:gradFill>
+                  <a:prstDash val="solid"/>
+                </a:ln>
+                <a:solidFill>
+                  <a:srgbClr val="FFFFFF"/>
+                </a:solidFill>
+                <a:effectLst>
+                  <a:outerShdw blurRad="41275" dist="12700" dir="12000000" algn="tl" rotWithShape="0">
+                    <a:srgbClr val="000000">
+                      <a:alpha val="40000"/>
+                    </a:srgbClr>
+                  </a:outerShdw>
+                </a:effectLst>
+              </a:endParaRPr>
+            </a:p>
+          </p:txBody>
+        </p:sp>
+      </p:grpSp>
     </p:spTree>
   </p:cSld>
   <p:clrMapOvr>

--- a/Images/icons.pptx
+++ b/Images/icons.pptx
@@ -5,15 +5,16 @@
     <p:sldMasterId id="2147483648" r:id="rId1"/>
   </p:sldMasterIdLst>
   <p:notesMasterIdLst>
-    <p:notesMasterId r:id="rId8"/>
+    <p:notesMasterId r:id="rId9"/>
   </p:notesMasterIdLst>
   <p:sldIdLst>
     <p:sldId id="256" r:id="rId2"/>
     <p:sldId id="257" r:id="rId3"/>
-    <p:sldId id="258" r:id="rId4"/>
-    <p:sldId id="259" r:id="rId5"/>
-    <p:sldId id="260" r:id="rId6"/>
-    <p:sldId id="261" r:id="rId7"/>
+    <p:sldId id="262" r:id="rId4"/>
+    <p:sldId id="258" r:id="rId5"/>
+    <p:sldId id="259" r:id="rId6"/>
+    <p:sldId id="260" r:id="rId7"/>
+    <p:sldId id="261" r:id="rId8"/>
   </p:sldIdLst>
   <p:sldSz cx="9144000" cy="6858000" type="screen4x3"/>
   <p:notesSz cx="6858000" cy="9144000"/>
@@ -198,7 +199,7 @@
             <a:fld id="{EF2816C5-0349-4A2D-B307-BA35C9E33751}" type="datetimeFigureOut">
               <a:rPr lang="en-US" smtClean="0"/>
               <a:pPr/>
-              <a:t>12/1/2011</a:t>
+              <a:t>5/18/2012</a:t>
             </a:fld>
             <a:endParaRPr lang="en-US"/>
           </a:p>
@@ -696,7 +697,7 @@
             <a:fld id="{D91ADE97-75EE-4D6A-9A71-5458D6DEEDCF}" type="slidenum">
               <a:rPr lang="en-US" smtClean="0"/>
               <a:pPr/>
-              <a:t>3</a:t>
+              <a:t>4</a:t>
             </a:fld>
             <a:endParaRPr lang="en-US"/>
           </a:p>
@@ -778,7 +779,7 @@
             <a:fld id="{D91ADE97-75EE-4D6A-9A71-5458D6DEEDCF}" type="slidenum">
               <a:rPr lang="en-US" smtClean="0"/>
               <a:pPr/>
-              <a:t>4</a:t>
+              <a:t>5</a:t>
             </a:fld>
             <a:endParaRPr lang="en-US"/>
           </a:p>
@@ -860,7 +861,7 @@
             <a:fld id="{D91ADE97-75EE-4D6A-9A71-5458D6DEEDCF}" type="slidenum">
               <a:rPr lang="en-US" smtClean="0"/>
               <a:pPr/>
-              <a:t>5</a:t>
+              <a:t>6</a:t>
             </a:fld>
             <a:endParaRPr lang="en-US"/>
           </a:p>
@@ -942,7 +943,7 @@
             <a:fld id="{D91ADE97-75EE-4D6A-9A71-5458D6DEEDCF}" type="slidenum">
               <a:rPr lang="en-US" smtClean="0"/>
               <a:pPr/>
-              <a:t>6</a:t>
+              <a:t>7</a:t>
             </a:fld>
             <a:endParaRPr lang="en-US"/>
           </a:p>
@@ -1138,7 +1139,7 @@
             <a:fld id="{51AAF73F-098B-4C3D-8C64-6AF52AB2374C}" type="datetimeFigureOut">
               <a:rPr lang="en-US" smtClean="0"/>
               <a:pPr/>
-              <a:t>12/1/2011</a:t>
+              <a:t>5/18/2012</a:t>
             </a:fld>
             <a:endParaRPr lang="en-US"/>
           </a:p>
@@ -1305,7 +1306,7 @@
             <a:fld id="{51AAF73F-098B-4C3D-8C64-6AF52AB2374C}" type="datetimeFigureOut">
               <a:rPr lang="en-US" smtClean="0"/>
               <a:pPr/>
-              <a:t>12/1/2011</a:t>
+              <a:t>5/18/2012</a:t>
             </a:fld>
             <a:endParaRPr lang="en-US"/>
           </a:p>
@@ -1482,7 +1483,7 @@
             <a:fld id="{51AAF73F-098B-4C3D-8C64-6AF52AB2374C}" type="datetimeFigureOut">
               <a:rPr lang="en-US" smtClean="0"/>
               <a:pPr/>
-              <a:t>12/1/2011</a:t>
+              <a:t>5/18/2012</a:t>
             </a:fld>
             <a:endParaRPr lang="en-US"/>
           </a:p>
@@ -1649,7 +1650,7 @@
             <a:fld id="{51AAF73F-098B-4C3D-8C64-6AF52AB2374C}" type="datetimeFigureOut">
               <a:rPr lang="en-US" smtClean="0"/>
               <a:pPr/>
-              <a:t>12/1/2011</a:t>
+              <a:t>5/18/2012</a:t>
             </a:fld>
             <a:endParaRPr lang="en-US"/>
           </a:p>
@@ -1892,7 +1893,7 @@
             <a:fld id="{51AAF73F-098B-4C3D-8C64-6AF52AB2374C}" type="datetimeFigureOut">
               <a:rPr lang="en-US" smtClean="0"/>
               <a:pPr/>
-              <a:t>12/1/2011</a:t>
+              <a:t>5/18/2012</a:t>
             </a:fld>
             <a:endParaRPr lang="en-US"/>
           </a:p>
@@ -2177,7 +2178,7 @@
             <a:fld id="{51AAF73F-098B-4C3D-8C64-6AF52AB2374C}" type="datetimeFigureOut">
               <a:rPr lang="en-US" smtClean="0"/>
               <a:pPr/>
-              <a:t>12/1/2011</a:t>
+              <a:t>5/18/2012</a:t>
             </a:fld>
             <a:endParaRPr lang="en-US"/>
           </a:p>
@@ -2596,7 +2597,7 @@
             <a:fld id="{51AAF73F-098B-4C3D-8C64-6AF52AB2374C}" type="datetimeFigureOut">
               <a:rPr lang="en-US" smtClean="0"/>
               <a:pPr/>
-              <a:t>12/1/2011</a:t>
+              <a:t>5/18/2012</a:t>
             </a:fld>
             <a:endParaRPr lang="en-US"/>
           </a:p>
@@ -2711,7 +2712,7 @@
             <a:fld id="{51AAF73F-098B-4C3D-8C64-6AF52AB2374C}" type="datetimeFigureOut">
               <a:rPr lang="en-US" smtClean="0"/>
               <a:pPr/>
-              <a:t>12/1/2011</a:t>
+              <a:t>5/18/2012</a:t>
             </a:fld>
             <a:endParaRPr lang="en-US"/>
           </a:p>
@@ -2803,7 +2804,7 @@
             <a:fld id="{51AAF73F-098B-4C3D-8C64-6AF52AB2374C}" type="datetimeFigureOut">
               <a:rPr lang="en-US" smtClean="0"/>
               <a:pPr/>
-              <a:t>12/1/2011</a:t>
+              <a:t>5/18/2012</a:t>
             </a:fld>
             <a:endParaRPr lang="en-US"/>
           </a:p>
@@ -3077,7 +3078,7 @@
             <a:fld id="{51AAF73F-098B-4C3D-8C64-6AF52AB2374C}" type="datetimeFigureOut">
               <a:rPr lang="en-US" smtClean="0"/>
               <a:pPr/>
-              <a:t>12/1/2011</a:t>
+              <a:t>5/18/2012</a:t>
             </a:fld>
             <a:endParaRPr lang="en-US"/>
           </a:p>
@@ -3327,7 +3328,7 @@
             <a:fld id="{51AAF73F-098B-4C3D-8C64-6AF52AB2374C}" type="datetimeFigureOut">
               <a:rPr lang="en-US" smtClean="0"/>
               <a:pPr/>
-              <a:t>12/1/2011</a:t>
+              <a:t>5/18/2012</a:t>
             </a:fld>
             <a:endParaRPr lang="en-US"/>
           </a:p>
@@ -3537,7 +3538,7 @@
             <a:fld id="{51AAF73F-098B-4C3D-8C64-6AF52AB2374C}" type="datetimeFigureOut">
               <a:rPr lang="en-US" smtClean="0"/>
               <a:pPr/>
-              <a:t>12/1/2011</a:t>
+              <a:t>5/18/2012</a:t>
             </a:fld>
             <a:endParaRPr lang="en-US"/>
           </a:p>
@@ -4241,7 +4242,7 @@
         </p:nvSpPr>
         <p:spPr>
           <a:xfrm>
-            <a:off x="5410200" y="2209800"/>
+            <a:off x="5486400" y="2209800"/>
             <a:ext cx="1828800" cy="1828800"/>
           </a:xfrm>
           <a:prstGeom prst="rect">
@@ -5113,13 +5114,13 @@
       </p:grpSpPr>
       <p:sp>
         <p:nvSpPr>
-          <p:cNvPr id="4" name="Rectangle 3"/>
+          <p:cNvPr id="5" name="Rectangle 4"/>
           <p:cNvSpPr/>
           <p:nvPr/>
         </p:nvSpPr>
         <p:spPr>
           <a:xfrm>
-            <a:off x="381000" y="304800"/>
+            <a:off x="5486400" y="2324100"/>
             <a:ext cx="1828800" cy="1828800"/>
           </a:xfrm>
           <a:prstGeom prst="rect">
@@ -5151,37 +5152,113 @@
       </p:sp>
       <p:sp>
         <p:nvSpPr>
-          <p:cNvPr id="5" name="Oval 4"/>
+          <p:cNvPr id="6" name="Rectangle 5"/>
           <p:cNvSpPr/>
           <p:nvPr/>
         </p:nvSpPr>
         <p:spPr>
           <a:xfrm>
-            <a:off x="609600" y="609600"/>
-            <a:ext cx="228600" cy="228600"/>
-          </a:xfrm>
-          <a:prstGeom prst="ellipse">
+            <a:off x="5753100" y="2667000"/>
+            <a:ext cx="1295400" cy="1143001"/>
+          </a:xfrm>
+          <a:prstGeom prst="rect">
             <a:avLst/>
           </a:prstGeom>
-          <a:solidFill>
-            <a:schemeClr val="tx1">
-              <a:lumMod val="95000"/>
-              <a:lumOff val="5000"/>
-            </a:schemeClr>
-          </a:solidFill>
+          <a:noFill/>
+          <a:effectLst>
+            <a:outerShdw blurRad="76200" dist="12700" dir="2700000" sy="-23000" kx="-800400" algn="bl" rotWithShape="0">
+              <a:prstClr val="black">
+                <a:alpha val="20000"/>
+              </a:prstClr>
+            </a:outerShdw>
+          </a:effectLst>
+        </p:spPr>
+        <p:txBody>
+          <a:bodyPr wrap="square" lIns="91440" tIns="0" rIns="91440" bIns="0" anchor="b" anchorCtr="0">
+            <a:noAutofit/>
+          </a:bodyPr>
+          <a:lstStyle/>
+          <a:p>
+            <a:pPr algn="ctr"/>
+            <a:r>
+              <a:rPr lang="en-US" sz="8800" b="1" dirty="0" smtClean="0">
+                <a:ln w="12700">
+                  <a:solidFill>
+                    <a:schemeClr val="tx2">
+                      <a:satMod val="155000"/>
+                    </a:schemeClr>
+                  </a:solidFill>
+                  <a:prstDash val="solid"/>
+                </a:ln>
+                <a:solidFill>
+                  <a:schemeClr val="tx2">
+                    <a:lumMod val="40000"/>
+                    <a:lumOff val="60000"/>
+                  </a:schemeClr>
+                </a:solidFill>
+                <a:effectLst>
+                  <a:outerShdw blurRad="50800" dist="38100" dir="2700000" algn="tl" rotWithShape="0">
+                    <a:prstClr val="black">
+                      <a:alpha val="40000"/>
+                    </a:prstClr>
+                  </a:outerShdw>
+                </a:effectLst>
+              </a:rPr>
+              <a:t>1</a:t>
+            </a:r>
+            <a:endParaRPr lang="en-US" sz="8800" b="1" cap="none" spc="0" dirty="0" smtClean="0">
+              <a:ln w="12700">
+                <a:solidFill>
+                  <a:schemeClr val="tx2">
+                    <a:satMod val="155000"/>
+                  </a:schemeClr>
+                </a:solidFill>
+                <a:prstDash val="solid"/>
+              </a:ln>
+              <a:solidFill>
+                <a:schemeClr val="tx2">
+                  <a:lumMod val="40000"/>
+                  <a:lumOff val="60000"/>
+                </a:schemeClr>
+              </a:solidFill>
+              <a:effectLst>
+                <a:outerShdw blurRad="50800" dist="38100" dir="2700000" algn="tl" rotWithShape="0">
+                  <a:prstClr val="black">
+                    <a:alpha val="40000"/>
+                  </a:prstClr>
+                </a:outerShdw>
+              </a:effectLst>
+            </a:endParaRPr>
+          </a:p>
+        </p:txBody>
+      </p:sp>
+      <p:sp>
+        <p:nvSpPr>
+          <p:cNvPr id="8" name="Rectangle 7"/>
+          <p:cNvSpPr/>
+          <p:nvPr/>
+        </p:nvSpPr>
+        <p:spPr>
+          <a:xfrm>
+            <a:off x="838200" y="2324100"/>
+            <a:ext cx="1828800" cy="1828800"/>
+          </a:xfrm>
+          <a:prstGeom prst="rect">
+            <a:avLst/>
+          </a:prstGeom>
         </p:spPr>
         <p:style>
-          <a:lnRef idx="0">
-            <a:schemeClr val="accent2"/>
+          <a:lnRef idx="2">
+            <a:schemeClr val="accent1"/>
           </a:lnRef>
-          <a:fillRef idx="3">
-            <a:schemeClr val="accent2"/>
+          <a:fillRef idx="1">
+            <a:schemeClr val="lt1"/>
           </a:fillRef>
-          <a:effectRef idx="3">
-            <a:schemeClr val="accent2"/>
+          <a:effectRef idx="0">
+            <a:schemeClr val="accent1"/>
           </a:effectRef>
           <a:fontRef idx="minor">
-            <a:schemeClr val="lt1"/>
+            <a:schemeClr val="dk1"/>
           </a:fontRef>
         </p:style>
         <p:txBody>
@@ -5195,37 +5272,113 @@
       </p:sp>
       <p:sp>
         <p:nvSpPr>
-          <p:cNvPr id="6" name="Oval 5"/>
+          <p:cNvPr id="9" name="Rectangle 8"/>
           <p:cNvSpPr/>
           <p:nvPr/>
         </p:nvSpPr>
         <p:spPr>
           <a:xfrm>
-            <a:off x="1371600" y="457200"/>
-            <a:ext cx="228600" cy="228600"/>
-          </a:xfrm>
-          <a:prstGeom prst="ellipse">
+            <a:off x="838200" y="2667000"/>
+            <a:ext cx="1828800" cy="1143001"/>
+          </a:xfrm>
+          <a:prstGeom prst="rect">
             <a:avLst/>
           </a:prstGeom>
-          <a:solidFill>
-            <a:schemeClr val="tx1">
-              <a:lumMod val="95000"/>
-              <a:lumOff val="5000"/>
-            </a:schemeClr>
-          </a:solidFill>
+          <a:noFill/>
+          <a:effectLst>
+            <a:outerShdw blurRad="76200" dist="12700" dir="2700000" sy="-23000" kx="-800400" algn="bl" rotWithShape="0">
+              <a:prstClr val="black">
+                <a:alpha val="20000"/>
+              </a:prstClr>
+            </a:outerShdw>
+          </a:effectLst>
+        </p:spPr>
+        <p:txBody>
+          <a:bodyPr wrap="square" lIns="91440" tIns="0" rIns="91440" bIns="0" anchor="b" anchorCtr="0">
+            <a:noAutofit/>
+          </a:bodyPr>
+          <a:lstStyle/>
+          <a:p>
+            <a:pPr algn="ctr"/>
+            <a:r>
+              <a:rPr lang="en-US" sz="8800" b="1" dirty="0" err="1" smtClean="0">
+                <a:ln w="12700">
+                  <a:solidFill>
+                    <a:schemeClr val="tx2">
+                      <a:satMod val="155000"/>
+                    </a:schemeClr>
+                  </a:solidFill>
+                  <a:prstDash val="solid"/>
+                </a:ln>
+                <a:solidFill>
+                  <a:schemeClr val="tx2">
+                    <a:lumMod val="40000"/>
+                    <a:lumOff val="60000"/>
+                  </a:schemeClr>
+                </a:solidFill>
+                <a:effectLst>
+                  <a:outerShdw blurRad="50800" dist="38100" dir="2700000" algn="tl" rotWithShape="0">
+                    <a:prstClr val="black">
+                      <a:alpha val="40000"/>
+                    </a:prstClr>
+                  </a:outerShdw>
+                </a:effectLst>
+              </a:rPr>
+              <a:t>Sel</a:t>
+            </a:r>
+            <a:endParaRPr lang="en-US" sz="8800" b="1" cap="none" spc="0" dirty="0" smtClean="0">
+              <a:ln w="12700">
+                <a:solidFill>
+                  <a:schemeClr val="tx2">
+                    <a:satMod val="155000"/>
+                  </a:schemeClr>
+                </a:solidFill>
+                <a:prstDash val="solid"/>
+              </a:ln>
+              <a:solidFill>
+                <a:schemeClr val="tx2">
+                  <a:lumMod val="40000"/>
+                  <a:lumOff val="60000"/>
+                </a:schemeClr>
+              </a:solidFill>
+              <a:effectLst>
+                <a:outerShdw blurRad="50800" dist="38100" dir="2700000" algn="tl" rotWithShape="0">
+                  <a:prstClr val="black">
+                    <a:alpha val="40000"/>
+                  </a:prstClr>
+                </a:outerShdw>
+              </a:effectLst>
+            </a:endParaRPr>
+          </a:p>
+        </p:txBody>
+      </p:sp>
+      <p:sp>
+        <p:nvSpPr>
+          <p:cNvPr id="10" name="Rectangle 9"/>
+          <p:cNvSpPr/>
+          <p:nvPr/>
+        </p:nvSpPr>
+        <p:spPr>
+          <a:xfrm>
+            <a:off x="3124200" y="2324100"/>
+            <a:ext cx="1828800" cy="1828800"/>
+          </a:xfrm>
+          <a:prstGeom prst="rect">
+            <a:avLst/>
+          </a:prstGeom>
         </p:spPr>
         <p:style>
-          <a:lnRef idx="0">
-            <a:schemeClr val="accent2"/>
+          <a:lnRef idx="2">
+            <a:schemeClr val="accent1"/>
           </a:lnRef>
-          <a:fillRef idx="3">
-            <a:schemeClr val="accent2"/>
+          <a:fillRef idx="1">
+            <a:schemeClr val="lt1"/>
           </a:fillRef>
-          <a:effectRef idx="3">
-            <a:schemeClr val="accent2"/>
+          <a:effectRef idx="0">
+            <a:schemeClr val="accent1"/>
           </a:effectRef>
           <a:fontRef idx="minor">
-            <a:schemeClr val="lt1"/>
+            <a:schemeClr val="dk1"/>
           </a:fontRef>
         </p:style>
         <p:txBody>
@@ -5239,221 +5392,109 @@
       </p:sp>
       <p:sp>
         <p:nvSpPr>
-          <p:cNvPr id="7" name="Oval 6"/>
+          <p:cNvPr id="11" name="Rectangle 10"/>
           <p:cNvSpPr/>
           <p:nvPr/>
         </p:nvSpPr>
         <p:spPr>
           <a:xfrm>
-            <a:off x="990600" y="1066800"/>
-            <a:ext cx="228600" cy="228600"/>
-          </a:xfrm>
-          <a:prstGeom prst="ellipse">
+            <a:off x="3200400" y="2667000"/>
+            <a:ext cx="1600200" cy="1143001"/>
+          </a:xfrm>
+          <a:prstGeom prst="rect">
             <a:avLst/>
           </a:prstGeom>
-          <a:solidFill>
-            <a:schemeClr val="tx1">
-              <a:lumMod val="95000"/>
-              <a:lumOff val="5000"/>
-            </a:schemeClr>
-          </a:solidFill>
-        </p:spPr>
-        <p:style>
-          <a:lnRef idx="0">
-            <a:schemeClr val="accent2"/>
-          </a:lnRef>
-          <a:fillRef idx="3">
-            <a:schemeClr val="accent2"/>
-          </a:fillRef>
-          <a:effectRef idx="3">
-            <a:schemeClr val="accent2"/>
-          </a:effectRef>
-          <a:fontRef idx="minor">
-            <a:schemeClr val="lt1"/>
-          </a:fontRef>
-        </p:style>
-        <p:txBody>
-          <a:bodyPr rtlCol="0" anchor="ctr"/>
+          <a:noFill/>
+          <a:effectLst>
+            <a:outerShdw blurRad="76200" dist="12700" dir="2700000" sy="-23000" kx="-800400" algn="bl" rotWithShape="0">
+              <a:prstClr val="black">
+                <a:alpha val="20000"/>
+              </a:prstClr>
+            </a:outerShdw>
+          </a:effectLst>
+        </p:spPr>
+        <p:txBody>
+          <a:bodyPr wrap="square" lIns="91440" tIns="0" rIns="91440" bIns="0" anchor="b" anchorCtr="0">
+            <a:noAutofit/>
+          </a:bodyPr>
           <a:lstStyle/>
           <a:p>
             <a:pPr algn="ctr"/>
-            <a:endParaRPr lang="en-US"/>
-          </a:p>
-        </p:txBody>
-      </p:sp>
-      <p:sp>
-        <p:nvSpPr>
-          <p:cNvPr id="8" name="Oval 7"/>
-          <p:cNvSpPr/>
-          <p:nvPr/>
-        </p:nvSpPr>
-        <p:spPr>
-          <a:xfrm>
-            <a:off x="990600" y="1447800"/>
-            <a:ext cx="228600" cy="228600"/>
-          </a:xfrm>
-          <a:prstGeom prst="ellipse">
-            <a:avLst/>
-          </a:prstGeom>
-          <a:solidFill>
-            <a:schemeClr val="tx1">
-              <a:lumMod val="95000"/>
-              <a:lumOff val="5000"/>
-            </a:schemeClr>
-          </a:solidFill>
-        </p:spPr>
-        <p:style>
-          <a:lnRef idx="0">
-            <a:schemeClr val="accent2"/>
-          </a:lnRef>
-          <a:fillRef idx="3">
-            <a:schemeClr val="accent2"/>
-          </a:fillRef>
-          <a:effectRef idx="3">
-            <a:schemeClr val="accent2"/>
-          </a:effectRef>
-          <a:fontRef idx="minor">
-            <a:schemeClr val="lt1"/>
-          </a:fontRef>
-        </p:style>
-        <p:txBody>
-          <a:bodyPr rtlCol="0" anchor="ctr"/>
-          <a:lstStyle/>
-          <a:p>
-            <a:pPr algn="ctr"/>
-            <a:endParaRPr lang="en-US"/>
-          </a:p>
-        </p:txBody>
-      </p:sp>
-      <p:sp>
-        <p:nvSpPr>
-          <p:cNvPr id="9" name="Oval 8"/>
-          <p:cNvSpPr/>
-          <p:nvPr/>
-        </p:nvSpPr>
-        <p:spPr>
-          <a:xfrm>
-            <a:off x="1752600" y="1600200"/>
-            <a:ext cx="228600" cy="228600"/>
-          </a:xfrm>
-          <a:prstGeom prst="ellipse">
-            <a:avLst/>
-          </a:prstGeom>
-          <a:solidFill>
-            <a:schemeClr val="tx1">
-              <a:lumMod val="95000"/>
-              <a:lumOff val="5000"/>
-            </a:schemeClr>
-          </a:solidFill>
-        </p:spPr>
-        <p:style>
-          <a:lnRef idx="0">
-            <a:schemeClr val="accent2"/>
-          </a:lnRef>
-          <a:fillRef idx="3">
-            <a:schemeClr val="accent2"/>
-          </a:fillRef>
-          <a:effectRef idx="3">
-            <a:schemeClr val="accent2"/>
-          </a:effectRef>
-          <a:fontRef idx="minor">
-            <a:schemeClr val="lt1"/>
-          </a:fontRef>
-        </p:style>
-        <p:txBody>
-          <a:bodyPr rtlCol="0" anchor="ctr"/>
-          <a:lstStyle/>
-          <a:p>
-            <a:pPr algn="ctr"/>
-            <a:endParaRPr lang="en-US"/>
-          </a:p>
-        </p:txBody>
-      </p:sp>
-      <p:sp>
-        <p:nvSpPr>
-          <p:cNvPr id="10" name="Oval 9"/>
-          <p:cNvSpPr/>
-          <p:nvPr/>
-        </p:nvSpPr>
-        <p:spPr>
-          <a:xfrm>
-            <a:off x="1371600" y="1371600"/>
-            <a:ext cx="228600" cy="228600"/>
-          </a:xfrm>
-          <a:prstGeom prst="ellipse">
-            <a:avLst/>
-          </a:prstGeom>
-          <a:solidFill>
-            <a:schemeClr val="tx1">
-              <a:lumMod val="95000"/>
-              <a:lumOff val="5000"/>
-            </a:schemeClr>
-          </a:solidFill>
-        </p:spPr>
-        <p:style>
-          <a:lnRef idx="0">
-            <a:schemeClr val="accent2"/>
-          </a:lnRef>
-          <a:fillRef idx="3">
-            <a:schemeClr val="accent2"/>
-          </a:fillRef>
-          <a:effectRef idx="3">
-            <a:schemeClr val="accent2"/>
-          </a:effectRef>
-          <a:fontRef idx="minor">
-            <a:schemeClr val="lt1"/>
-          </a:fontRef>
-        </p:style>
-        <p:txBody>
-          <a:bodyPr rtlCol="0" anchor="ctr"/>
-          <a:lstStyle/>
-          <a:p>
-            <a:pPr algn="ctr"/>
-            <a:endParaRPr lang="en-US"/>
-          </a:p>
-        </p:txBody>
-      </p:sp>
-      <p:sp>
-        <p:nvSpPr>
-          <p:cNvPr id="11" name="Oval 10"/>
-          <p:cNvSpPr/>
-          <p:nvPr/>
-        </p:nvSpPr>
-        <p:spPr>
-          <a:xfrm>
-            <a:off x="1600200" y="914400"/>
-            <a:ext cx="228600" cy="228600"/>
-          </a:xfrm>
-          <a:prstGeom prst="ellipse">
-            <a:avLst/>
-          </a:prstGeom>
-          <a:solidFill>
-            <a:schemeClr val="tx1">
-              <a:lumMod val="95000"/>
-              <a:lumOff val="5000"/>
-            </a:schemeClr>
-          </a:solidFill>
-        </p:spPr>
-        <p:style>
-          <a:lnRef idx="0">
-            <a:schemeClr val="accent2"/>
-          </a:lnRef>
-          <a:fillRef idx="3">
-            <a:schemeClr val="accent2"/>
-          </a:fillRef>
-          <a:effectRef idx="3">
-            <a:schemeClr val="accent2"/>
-          </a:effectRef>
-          <a:fontRef idx="minor">
-            <a:schemeClr val="lt1"/>
-          </a:fontRef>
-        </p:style>
-        <p:txBody>
-          <a:bodyPr rtlCol="0" anchor="ctr"/>
-          <a:lstStyle/>
-          <a:p>
-            <a:pPr algn="ctr"/>
-            <a:endParaRPr lang="en-US"/>
+            <a:r>
+              <a:rPr lang="en-US" sz="8800" b="1" dirty="0" smtClean="0">
+                <a:ln w="12700">
+                  <a:solidFill>
+                    <a:schemeClr val="tx2">
+                      <a:satMod val="155000"/>
+                    </a:schemeClr>
+                  </a:solidFill>
+                  <a:prstDash val="solid"/>
+                </a:ln>
+                <a:solidFill>
+                  <a:schemeClr val="tx2">
+                    <a:lumMod val="40000"/>
+                    <a:lumOff val="60000"/>
+                  </a:schemeClr>
+                </a:solidFill>
+                <a:effectLst>
+                  <a:outerShdw blurRad="50800" dist="38100" dir="2700000" algn="tl" rotWithShape="0">
+                    <a:prstClr val="black">
+                      <a:alpha val="40000"/>
+                    </a:prstClr>
+                  </a:outerShdw>
+                </a:effectLst>
+              </a:rPr>
+              <a:t>A</a:t>
+            </a:r>
+            <a:r>
+              <a:rPr lang="en-US" sz="8800" b="1" dirty="0" smtClean="0">
+                <a:ln w="12700">
+                  <a:solidFill>
+                    <a:schemeClr val="tx2">
+                      <a:satMod val="155000"/>
+                    </a:schemeClr>
+                  </a:solidFill>
+                  <a:prstDash val="solid"/>
+                </a:ln>
+                <a:solidFill>
+                  <a:schemeClr val="tx2">
+                    <a:lumMod val="40000"/>
+                    <a:lumOff val="60000"/>
+                  </a:schemeClr>
+                </a:solidFill>
+                <a:effectLst>
+                  <a:outerShdw blurRad="50800" dist="38100" dir="2700000" algn="tl" rotWithShape="0">
+                    <a:prstClr val="black">
+                      <a:alpha val="40000"/>
+                    </a:prstClr>
+                  </a:outerShdw>
+                </a:effectLst>
+              </a:rPr>
+              <a:t>ll</a:t>
+            </a:r>
+            <a:endParaRPr lang="en-US" sz="8800" b="1" cap="none" spc="0" dirty="0" smtClean="0">
+              <a:ln w="12700">
+                <a:solidFill>
+                  <a:schemeClr val="tx2">
+                    <a:satMod val="155000"/>
+                  </a:schemeClr>
+                </a:solidFill>
+                <a:prstDash val="solid"/>
+              </a:ln>
+              <a:solidFill>
+                <a:schemeClr val="tx2">
+                  <a:lumMod val="40000"/>
+                  <a:lumOff val="60000"/>
+                </a:schemeClr>
+              </a:solidFill>
+              <a:effectLst>
+                <a:outerShdw blurRad="50800" dist="38100" dir="2700000" algn="tl" rotWithShape="0">
+                  <a:prstClr val="black">
+                    <a:alpha val="40000"/>
+                  </a:prstClr>
+                </a:outerShdw>
+              </a:effectLst>
+            </a:endParaRPr>
           </a:p>
         </p:txBody>
       </p:sp>
@@ -5484,79 +5525,350 @@
       </p:grpSpPr>
       <p:sp>
         <p:nvSpPr>
-          <p:cNvPr id="2" name="Title 1"/>
-          <p:cNvSpPr>
-            <a:spLocks noGrp="1"/>
-          </p:cNvSpPr>
-          <p:nvPr>
-            <p:ph type="title"/>
-          </p:nvPr>
-        </p:nvSpPr>
-        <p:spPr/>
-        <p:txBody>
-          <a:bodyPr/>
-          <a:lstStyle/>
-          <a:p>
-            <a:endParaRPr lang="en-US" dirty="0"/>
-          </a:p>
-        </p:txBody>
-      </p:sp>
-      <p:sp>
-        <p:nvSpPr>
-          <p:cNvPr id="3" name="Content Placeholder 2"/>
-          <p:cNvSpPr>
-            <a:spLocks noGrp="1"/>
-          </p:cNvSpPr>
-          <p:nvPr>
-            <p:ph idx="1"/>
-          </p:nvPr>
-        </p:nvSpPr>
-        <p:spPr/>
-        <p:txBody>
-          <a:bodyPr/>
-          <a:lstStyle/>
-          <a:p>
-            <a:endParaRPr lang="en-US" dirty="0"/>
-          </a:p>
-        </p:txBody>
-      </p:sp>
-      <p:pic>
-        <p:nvPicPr>
-          <p:cNvPr id="1027" name="Picture 3"/>
-          <p:cNvPicPr>
-            <a:picLocks noChangeAspect="1" noChangeArrowheads="1"/>
-          </p:cNvPicPr>
+          <p:cNvPr id="4" name="Rectangle 3"/>
+          <p:cNvSpPr/>
           <p:nvPr/>
-        </p:nvPicPr>
-        <p:blipFill>
-          <a:blip r:embed="rId3" cstate="print"/>
-          <a:srcRect/>
-          <a:stretch>
-            <a:fillRect/>
-          </a:stretch>
-        </p:blipFill>
-        <p:spPr bwMode="auto">
-          <a:xfrm>
-            <a:off x="685800" y="533400"/>
-            <a:ext cx="1781175" cy="1743075"/>
+        </p:nvSpPr>
+        <p:spPr>
+          <a:xfrm>
+            <a:off x="381000" y="304800"/>
+            <a:ext cx="1828800" cy="1828800"/>
           </a:xfrm>
           <a:prstGeom prst="rect">
             <a:avLst/>
           </a:prstGeom>
-          <a:noFill/>
-          <a:ln w="19050">
-            <a:solidFill>
-              <a:schemeClr val="tx1">
-                <a:lumMod val="85000"/>
-                <a:lumOff val="15000"/>
-              </a:schemeClr>
-            </a:solidFill>
-            <a:miter lim="800000"/>
-            <a:headEnd/>
-            <a:tailEnd/>
-          </a:ln>
-        </p:spPr>
-      </p:pic>
+        </p:spPr>
+        <p:style>
+          <a:lnRef idx="2">
+            <a:schemeClr val="accent1"/>
+          </a:lnRef>
+          <a:fillRef idx="1">
+            <a:schemeClr val="lt1"/>
+          </a:fillRef>
+          <a:effectRef idx="0">
+            <a:schemeClr val="accent1"/>
+          </a:effectRef>
+          <a:fontRef idx="minor">
+            <a:schemeClr val="dk1"/>
+          </a:fontRef>
+        </p:style>
+        <p:txBody>
+          <a:bodyPr rtlCol="0" anchor="ctr"/>
+          <a:lstStyle/>
+          <a:p>
+            <a:pPr algn="ctr"/>
+            <a:endParaRPr lang="en-US"/>
+          </a:p>
+        </p:txBody>
+      </p:sp>
+      <p:sp>
+        <p:nvSpPr>
+          <p:cNvPr id="5" name="Oval 4"/>
+          <p:cNvSpPr/>
+          <p:nvPr/>
+        </p:nvSpPr>
+        <p:spPr>
+          <a:xfrm>
+            <a:off x="609600" y="609600"/>
+            <a:ext cx="228600" cy="228600"/>
+          </a:xfrm>
+          <a:prstGeom prst="ellipse">
+            <a:avLst/>
+          </a:prstGeom>
+          <a:solidFill>
+            <a:schemeClr val="tx1">
+              <a:lumMod val="95000"/>
+              <a:lumOff val="5000"/>
+            </a:schemeClr>
+          </a:solidFill>
+        </p:spPr>
+        <p:style>
+          <a:lnRef idx="0">
+            <a:schemeClr val="accent2"/>
+          </a:lnRef>
+          <a:fillRef idx="3">
+            <a:schemeClr val="accent2"/>
+          </a:fillRef>
+          <a:effectRef idx="3">
+            <a:schemeClr val="accent2"/>
+          </a:effectRef>
+          <a:fontRef idx="minor">
+            <a:schemeClr val="lt1"/>
+          </a:fontRef>
+        </p:style>
+        <p:txBody>
+          <a:bodyPr rtlCol="0" anchor="ctr"/>
+          <a:lstStyle/>
+          <a:p>
+            <a:pPr algn="ctr"/>
+            <a:endParaRPr lang="en-US"/>
+          </a:p>
+        </p:txBody>
+      </p:sp>
+      <p:sp>
+        <p:nvSpPr>
+          <p:cNvPr id="6" name="Oval 5"/>
+          <p:cNvSpPr/>
+          <p:nvPr/>
+        </p:nvSpPr>
+        <p:spPr>
+          <a:xfrm>
+            <a:off x="1371600" y="457200"/>
+            <a:ext cx="228600" cy="228600"/>
+          </a:xfrm>
+          <a:prstGeom prst="ellipse">
+            <a:avLst/>
+          </a:prstGeom>
+          <a:solidFill>
+            <a:schemeClr val="tx1">
+              <a:lumMod val="95000"/>
+              <a:lumOff val="5000"/>
+            </a:schemeClr>
+          </a:solidFill>
+        </p:spPr>
+        <p:style>
+          <a:lnRef idx="0">
+            <a:schemeClr val="accent2"/>
+          </a:lnRef>
+          <a:fillRef idx="3">
+            <a:schemeClr val="accent2"/>
+          </a:fillRef>
+          <a:effectRef idx="3">
+            <a:schemeClr val="accent2"/>
+          </a:effectRef>
+          <a:fontRef idx="minor">
+            <a:schemeClr val="lt1"/>
+          </a:fontRef>
+        </p:style>
+        <p:txBody>
+          <a:bodyPr rtlCol="0" anchor="ctr"/>
+          <a:lstStyle/>
+          <a:p>
+            <a:pPr algn="ctr"/>
+            <a:endParaRPr lang="en-US"/>
+          </a:p>
+        </p:txBody>
+      </p:sp>
+      <p:sp>
+        <p:nvSpPr>
+          <p:cNvPr id="7" name="Oval 6"/>
+          <p:cNvSpPr/>
+          <p:nvPr/>
+        </p:nvSpPr>
+        <p:spPr>
+          <a:xfrm>
+            <a:off x="990600" y="1066800"/>
+            <a:ext cx="228600" cy="228600"/>
+          </a:xfrm>
+          <a:prstGeom prst="ellipse">
+            <a:avLst/>
+          </a:prstGeom>
+          <a:solidFill>
+            <a:schemeClr val="tx1">
+              <a:lumMod val="95000"/>
+              <a:lumOff val="5000"/>
+            </a:schemeClr>
+          </a:solidFill>
+        </p:spPr>
+        <p:style>
+          <a:lnRef idx="0">
+            <a:schemeClr val="accent2"/>
+          </a:lnRef>
+          <a:fillRef idx="3">
+            <a:schemeClr val="accent2"/>
+          </a:fillRef>
+          <a:effectRef idx="3">
+            <a:schemeClr val="accent2"/>
+          </a:effectRef>
+          <a:fontRef idx="minor">
+            <a:schemeClr val="lt1"/>
+          </a:fontRef>
+        </p:style>
+        <p:txBody>
+          <a:bodyPr rtlCol="0" anchor="ctr"/>
+          <a:lstStyle/>
+          <a:p>
+            <a:pPr algn="ctr"/>
+            <a:endParaRPr lang="en-US"/>
+          </a:p>
+        </p:txBody>
+      </p:sp>
+      <p:sp>
+        <p:nvSpPr>
+          <p:cNvPr id="8" name="Oval 7"/>
+          <p:cNvSpPr/>
+          <p:nvPr/>
+        </p:nvSpPr>
+        <p:spPr>
+          <a:xfrm>
+            <a:off x="990600" y="1447800"/>
+            <a:ext cx="228600" cy="228600"/>
+          </a:xfrm>
+          <a:prstGeom prst="ellipse">
+            <a:avLst/>
+          </a:prstGeom>
+          <a:solidFill>
+            <a:schemeClr val="tx1">
+              <a:lumMod val="95000"/>
+              <a:lumOff val="5000"/>
+            </a:schemeClr>
+          </a:solidFill>
+        </p:spPr>
+        <p:style>
+          <a:lnRef idx="0">
+            <a:schemeClr val="accent2"/>
+          </a:lnRef>
+          <a:fillRef idx="3">
+            <a:schemeClr val="accent2"/>
+          </a:fillRef>
+          <a:effectRef idx="3">
+            <a:schemeClr val="accent2"/>
+          </a:effectRef>
+          <a:fontRef idx="minor">
+            <a:schemeClr val="lt1"/>
+          </a:fontRef>
+        </p:style>
+        <p:txBody>
+          <a:bodyPr rtlCol="0" anchor="ctr"/>
+          <a:lstStyle/>
+          <a:p>
+            <a:pPr algn="ctr"/>
+            <a:endParaRPr lang="en-US"/>
+          </a:p>
+        </p:txBody>
+      </p:sp>
+      <p:sp>
+        <p:nvSpPr>
+          <p:cNvPr id="9" name="Oval 8"/>
+          <p:cNvSpPr/>
+          <p:nvPr/>
+        </p:nvSpPr>
+        <p:spPr>
+          <a:xfrm>
+            <a:off x="1752600" y="1600200"/>
+            <a:ext cx="228600" cy="228600"/>
+          </a:xfrm>
+          <a:prstGeom prst="ellipse">
+            <a:avLst/>
+          </a:prstGeom>
+          <a:solidFill>
+            <a:schemeClr val="tx1">
+              <a:lumMod val="95000"/>
+              <a:lumOff val="5000"/>
+            </a:schemeClr>
+          </a:solidFill>
+        </p:spPr>
+        <p:style>
+          <a:lnRef idx="0">
+            <a:schemeClr val="accent2"/>
+          </a:lnRef>
+          <a:fillRef idx="3">
+            <a:schemeClr val="accent2"/>
+          </a:fillRef>
+          <a:effectRef idx="3">
+            <a:schemeClr val="accent2"/>
+          </a:effectRef>
+          <a:fontRef idx="minor">
+            <a:schemeClr val="lt1"/>
+          </a:fontRef>
+        </p:style>
+        <p:txBody>
+          <a:bodyPr rtlCol="0" anchor="ctr"/>
+          <a:lstStyle/>
+          <a:p>
+            <a:pPr algn="ctr"/>
+            <a:endParaRPr lang="en-US"/>
+          </a:p>
+        </p:txBody>
+      </p:sp>
+      <p:sp>
+        <p:nvSpPr>
+          <p:cNvPr id="10" name="Oval 9"/>
+          <p:cNvSpPr/>
+          <p:nvPr/>
+        </p:nvSpPr>
+        <p:spPr>
+          <a:xfrm>
+            <a:off x="1371600" y="1371600"/>
+            <a:ext cx="228600" cy="228600"/>
+          </a:xfrm>
+          <a:prstGeom prst="ellipse">
+            <a:avLst/>
+          </a:prstGeom>
+          <a:solidFill>
+            <a:schemeClr val="tx1">
+              <a:lumMod val="95000"/>
+              <a:lumOff val="5000"/>
+            </a:schemeClr>
+          </a:solidFill>
+        </p:spPr>
+        <p:style>
+          <a:lnRef idx="0">
+            <a:schemeClr val="accent2"/>
+          </a:lnRef>
+          <a:fillRef idx="3">
+            <a:schemeClr val="accent2"/>
+          </a:fillRef>
+          <a:effectRef idx="3">
+            <a:schemeClr val="accent2"/>
+          </a:effectRef>
+          <a:fontRef idx="minor">
+            <a:schemeClr val="lt1"/>
+          </a:fontRef>
+        </p:style>
+        <p:txBody>
+          <a:bodyPr rtlCol="0" anchor="ctr"/>
+          <a:lstStyle/>
+          <a:p>
+            <a:pPr algn="ctr"/>
+            <a:endParaRPr lang="en-US"/>
+          </a:p>
+        </p:txBody>
+      </p:sp>
+      <p:sp>
+        <p:nvSpPr>
+          <p:cNvPr id="11" name="Oval 10"/>
+          <p:cNvSpPr/>
+          <p:nvPr/>
+        </p:nvSpPr>
+        <p:spPr>
+          <a:xfrm>
+            <a:off x="1600200" y="914400"/>
+            <a:ext cx="228600" cy="228600"/>
+          </a:xfrm>
+          <a:prstGeom prst="ellipse">
+            <a:avLst/>
+          </a:prstGeom>
+          <a:solidFill>
+            <a:schemeClr val="tx1">
+              <a:lumMod val="95000"/>
+              <a:lumOff val="5000"/>
+            </a:schemeClr>
+          </a:solidFill>
+        </p:spPr>
+        <p:style>
+          <a:lnRef idx="0">
+            <a:schemeClr val="accent2"/>
+          </a:lnRef>
+          <a:fillRef idx="3">
+            <a:schemeClr val="accent2"/>
+          </a:fillRef>
+          <a:effectRef idx="3">
+            <a:schemeClr val="accent2"/>
+          </a:effectRef>
+          <a:fontRef idx="minor">
+            <a:schemeClr val="lt1"/>
+          </a:fontRef>
+        </p:style>
+        <p:txBody>
+          <a:bodyPr rtlCol="0" anchor="ctr"/>
+          <a:lstStyle/>
+          <a:p>
+            <a:pPr algn="ctr"/>
+            <a:endParaRPr lang="en-US"/>
+          </a:p>
+        </p:txBody>
+      </p:sp>
     </p:spTree>
   </p:cSld>
   <p:clrMapOvr>
@@ -5601,6 +5913,106 @@
           </a:p>
         </p:txBody>
       </p:sp>
+      <p:sp>
+        <p:nvSpPr>
+          <p:cNvPr id="3" name="Content Placeholder 2"/>
+          <p:cNvSpPr>
+            <a:spLocks noGrp="1"/>
+          </p:cNvSpPr>
+          <p:nvPr>
+            <p:ph idx="1"/>
+          </p:nvPr>
+        </p:nvSpPr>
+        <p:spPr/>
+        <p:txBody>
+          <a:bodyPr/>
+          <a:lstStyle/>
+          <a:p>
+            <a:endParaRPr lang="en-US" dirty="0"/>
+          </a:p>
+        </p:txBody>
+      </p:sp>
+      <p:pic>
+        <p:nvPicPr>
+          <p:cNvPr id="1027" name="Picture 3"/>
+          <p:cNvPicPr>
+            <a:picLocks noChangeAspect="1" noChangeArrowheads="1"/>
+          </p:cNvPicPr>
+          <p:nvPr/>
+        </p:nvPicPr>
+        <p:blipFill>
+          <a:blip r:embed="rId3" cstate="print"/>
+          <a:srcRect/>
+          <a:stretch>
+            <a:fillRect/>
+          </a:stretch>
+        </p:blipFill>
+        <p:spPr bwMode="auto">
+          <a:xfrm>
+            <a:off x="685800" y="533400"/>
+            <a:ext cx="1781175" cy="1743075"/>
+          </a:xfrm>
+          <a:prstGeom prst="rect">
+            <a:avLst/>
+          </a:prstGeom>
+          <a:noFill/>
+          <a:ln w="19050">
+            <a:solidFill>
+              <a:schemeClr val="tx1">
+                <a:lumMod val="85000"/>
+                <a:lumOff val="15000"/>
+              </a:schemeClr>
+            </a:solidFill>
+            <a:miter lim="800000"/>
+            <a:headEnd/>
+            <a:tailEnd/>
+          </a:ln>
+        </p:spPr>
+      </p:pic>
+    </p:spTree>
+  </p:cSld>
+  <p:clrMapOvr>
+    <a:masterClrMapping/>
+  </p:clrMapOvr>
+</p:sld>
+</file>
+
+<file path=ppt/slides/slide6.xml><?xml version="1.0" encoding="utf-8"?>
+<p:sld xmlns:a="http://schemas.openxmlformats.org/drawingml/2006/main" xmlns:r="http://schemas.openxmlformats.org/officeDocument/2006/relationships" xmlns:p="http://schemas.openxmlformats.org/presentationml/2006/main">
+  <p:cSld>
+    <p:spTree>
+      <p:nvGrpSpPr>
+        <p:cNvPr id="1" name=""/>
+        <p:cNvGrpSpPr/>
+        <p:nvPr/>
+      </p:nvGrpSpPr>
+      <p:grpSpPr>
+        <a:xfrm>
+          <a:off x="0" y="0"/>
+          <a:ext cx="0" cy="0"/>
+          <a:chOff x="0" y="0"/>
+          <a:chExt cx="0" cy="0"/>
+        </a:xfrm>
+      </p:grpSpPr>
+      <p:sp>
+        <p:nvSpPr>
+          <p:cNvPr id="2" name="Title 1"/>
+          <p:cNvSpPr>
+            <a:spLocks noGrp="1"/>
+          </p:cNvSpPr>
+          <p:nvPr>
+            <p:ph type="title"/>
+          </p:nvPr>
+        </p:nvSpPr>
+        <p:spPr/>
+        <p:txBody>
+          <a:bodyPr/>
+          <a:lstStyle/>
+          <a:p>
+            <a:endParaRPr lang="en-US" dirty="0"/>
+          </a:p>
+        </p:txBody>
+      </p:sp>
       <p:pic>
         <p:nvPicPr>
           <p:cNvPr id="1027" name="Picture 3"/>
@@ -5824,7 +6236,7 @@
 </p:sld>
 </file>
 
-<file path=ppt/slides/slide6.xml><?xml version="1.0" encoding="utf-8"?>
+<file path=ppt/slides/slide7.xml><?xml version="1.0" encoding="utf-8"?>
 <p:sld xmlns:a="http://schemas.openxmlformats.org/drawingml/2006/main" xmlns:r="http://schemas.openxmlformats.org/officeDocument/2006/relationships" xmlns:p="http://schemas.openxmlformats.org/presentationml/2006/main">
   <p:cSld>
     <p:spTree>
